--- a/PPT/PythonOO07-Sys.pptx
+++ b/PPT/PythonOO07-Sys.pptx
@@ -6262,12 +6262,16 @@
           </a:p>
           <a:p>
             <a:r>
-              <a:rPr lang="fr-FR" dirty="0" err="1"/>
-              <a:t>Pickle</a:t>
-            </a:r>
-            <a:r>
-              <a:rPr lang="fr-FR" dirty="0"/>
-              <a:t> au format JSON n’import quelle classe</a:t>
+              <a:rPr lang="fr-FR" dirty="0"/>
+              <a:t>Pickle au format </a:t>
+            </a:r>
+            <a:r>
+              <a:rPr lang="fr-FR"/>
+              <a:t>JSON n’importe </a:t>
+            </a:r>
+            <a:r>
+              <a:rPr lang="fr-FR" dirty="0"/>
+              <a:t>quelle classe</a:t>
             </a:r>
           </a:p>
           <a:p>
